--- a/Презентация компилятор Толокнов ИСБ-117.pptx
+++ b/Презентация компилятор Толокнов ИСБ-117.pptx
@@ -156,7 +156,7 @@
       </p14:sectionLst>
     </p:ext>
     <p:ext uri="{EFAFB233-063F-42B5-8137-9DF3F51BA10A}">
-      <p15:sldGuideLst xmlns:p15="http://schemas.microsoft.com/office/powerpoint/2012/main" xmlns="">
+      <p15:sldGuideLst xmlns="" xmlns:p15="http://schemas.microsoft.com/office/powerpoint/2012/main">
         <p15:guide id="1" orient="horz" pos="2160">
           <p15:clr>
             <a:srgbClr val="A4A3A4"/>
@@ -255,7 +255,7 @@
           <a:p>
             <a:fld id="{81C749F9-2609-4966-BF66-74B6B2AF8CBC}" type="datetimeFigureOut">
               <a:rPr lang="ru-RU" smtClean="0"/>
-              <a:t>24.05.2020</a:t>
+              <a:t>31.05.2020</a:t>
             </a:fld>
             <a:endParaRPr lang="ru-RU"/>
           </a:p>
@@ -1148,7 +1148,7 @@
           <a:p>
             <a:fld id="{9F3A4D50-1F53-4036-AA8F-8CC98544827C}" type="datetime1">
               <a:rPr lang="ru-RU" smtClean="0"/>
-              <a:t>24.05.2020</a:t>
+              <a:t>31.05.2020</a:t>
             </a:fld>
             <a:endParaRPr lang="ru-RU"/>
           </a:p>
@@ -1344,7 +1344,7 @@
           <a:p>
             <a:fld id="{46E6EC20-86AC-4FAE-A9FA-D87E2E1D65D1}" type="datetime1">
               <a:rPr lang="ru-RU" smtClean="0"/>
-              <a:t>24.05.2020</a:t>
+              <a:t>31.05.2020</a:t>
             </a:fld>
             <a:endParaRPr lang="ru-RU"/>
           </a:p>
@@ -1529,7 +1529,7 @@
           <a:p>
             <a:fld id="{2A934A6D-0444-474C-8D3E-04A3DAC7FB13}" type="datetime1">
               <a:rPr lang="ru-RU" smtClean="0"/>
-              <a:t>24.05.2020</a:t>
+              <a:t>31.05.2020</a:t>
             </a:fld>
             <a:endParaRPr lang="ru-RU"/>
           </a:p>
@@ -1679,7 +1679,7 @@
           <a:p>
             <a:fld id="{7C555B79-9B8B-4FDE-8426-486FB17D1E6F}" type="datetime1">
               <a:rPr lang="ru-RU" smtClean="0"/>
-              <a:t>24.05.2020</a:t>
+              <a:t>31.05.2020</a:t>
             </a:fld>
             <a:endParaRPr lang="ru-RU"/>
           </a:p>
@@ -1934,7 +1934,7 @@
           <a:p>
             <a:fld id="{86383829-A1D5-4D4B-BF9E-2F428A85523B}" type="datetime1">
               <a:rPr lang="ru-RU" smtClean="0"/>
-              <a:t>24.05.2020</a:t>
+              <a:t>31.05.2020</a:t>
             </a:fld>
             <a:endParaRPr lang="ru-RU"/>
           </a:p>
@@ -2343,7 +2343,7 @@
           <a:p>
             <a:fld id="{D6AC06A8-9B18-4215-829A-173DDFC1AA4C}" type="datetime1">
               <a:rPr lang="ru-RU" smtClean="0"/>
-              <a:t>24.05.2020</a:t>
+              <a:t>31.05.2020</a:t>
             </a:fld>
             <a:endParaRPr lang="ru-RU"/>
           </a:p>
@@ -2789,7 +2789,7 @@
           <a:p>
             <a:fld id="{35A76614-977E-420C-8023-7DA5B381F9D9}" type="datetime1">
               <a:rPr lang="ru-RU" smtClean="0"/>
-              <a:t>24.05.2020</a:t>
+              <a:t>31.05.2020</a:t>
             </a:fld>
             <a:endParaRPr lang="ru-RU"/>
           </a:p>
@@ -2890,7 +2890,7 @@
           <a:p>
             <a:fld id="{561C049A-03B7-4D8A-B027-2776E48517D8}" type="datetime1">
               <a:rPr lang="ru-RU" smtClean="0"/>
-              <a:t>24.05.2020</a:t>
+              <a:t>31.05.2020</a:t>
             </a:fld>
             <a:endParaRPr lang="ru-RU"/>
           </a:p>
@@ -3011,7 +3011,7 @@
           <a:p>
             <a:fld id="{016D020D-0112-447B-872B-D85C05AC3E30}" type="datetime1">
               <a:rPr lang="ru-RU" smtClean="0"/>
-              <a:t>24.05.2020</a:t>
+              <a:t>31.05.2020</a:t>
             </a:fld>
             <a:endParaRPr lang="ru-RU"/>
           </a:p>
@@ -3285,7 +3285,7 @@
           <a:p>
             <a:fld id="{26B2ADE8-617E-49A0-AB8E-D52FD901CE8E}" type="datetime1">
               <a:rPr lang="ru-RU" smtClean="0"/>
-              <a:t>24.05.2020</a:t>
+              <a:t>31.05.2020</a:t>
             </a:fld>
             <a:endParaRPr lang="ru-RU"/>
           </a:p>
@@ -3490,7 +3490,7 @@
           <a:p>
             <a:fld id="{C4FFE334-4DE3-4D26-9086-1FE5B9897028}" type="datetime1">
               <a:rPr lang="ru-RU" smtClean="0"/>
-              <a:t>24.05.2020</a:t>
+              <a:t>31.05.2020</a:t>
             </a:fld>
             <a:endParaRPr lang="ru-RU"/>
           </a:p>
@@ -4599,7 +4599,7 @@
           <a:p>
             <a:fld id="{54417831-1033-406F-BF41-9A289F99C756}" type="datetime1">
               <a:rPr lang="ru-RU" smtClean="0"/>
-              <a:t>24.05.2020</a:t>
+              <a:t>31.05.2020</a:t>
             </a:fld>
             <a:endParaRPr lang="ru-RU"/>
           </a:p>
@@ -5019,13 +5019,33 @@
         </p:nvSpPr>
         <p:spPr/>
         <p:txBody>
-          <a:bodyPr/>
+          <a:bodyPr>
+            <a:normAutofit fontScale="90000"/>
+          </a:bodyPr>
           <a:lstStyle/>
           <a:p>
             <a:pPr algn="ctr"/>
             <a:r>
               <a:rPr lang="ru-RU" dirty="0" smtClean="0"/>
-              <a:t>Разработка компилятора</a:t>
+              <a:t/>
+            </a:r>
+            <a:br>
+              <a:rPr lang="ru-RU" dirty="0" smtClean="0"/>
+            </a:br>
+            <a:r>
+              <a:rPr lang="ru-RU" dirty="0" smtClean="0"/>
+              <a:t>Прикладные алгоритмы.</a:t>
+            </a:r>
+            <a:br>
+              <a:rPr lang="ru-RU" dirty="0" smtClean="0"/>
+            </a:br>
+            <a:r>
+              <a:rPr lang="ru-RU" dirty="0" smtClean="0"/>
+              <a:t>Разработка </a:t>
+            </a:r>
+            <a:r>
+              <a:rPr lang="ru-RU" dirty="0" smtClean="0"/>
+              <a:t>компилятора</a:t>
             </a:r>
             <a:endParaRPr lang="ru-RU" dirty="0"/>
           </a:p>
@@ -5055,7 +5075,6 @@
               <a:rPr lang="ru-RU" dirty="0" smtClean="0"/>
               <a:t>Толокнов Е.А группа ИСБ-117</a:t>
             </a:r>
-            <a:endParaRPr lang="ru-RU" dirty="0" smtClean="0"/>
           </a:p>
         </p:txBody>
       </p:sp>
@@ -5283,11 +5302,6 @@
               </a:rPr>
               <a:t>Владимир 2020</a:t>
             </a:r>
-            <a:endParaRPr lang="ru-RU" dirty="0" smtClean="0">
-              <a:solidFill>
-                <a:schemeClr val="tx1"/>
-              </a:solidFill>
-            </a:endParaRPr>
           </a:p>
         </p:txBody>
       </p:sp>
@@ -8798,7 +8812,6 @@
               <a:rPr lang="ru-RU" dirty="0"/>
               <a:t>Оптимизация</a:t>
             </a:r>
-            <a:endParaRPr lang="ru-RU" dirty="0"/>
           </a:p>
         </p:txBody>
       </p:sp>
@@ -9380,7 +9393,6 @@
               <a:rPr lang="ru-RU" dirty="0" smtClean="0"/>
               <a:t>Воспроизведение операций по списку инструкций на целевой платформе</a:t>
             </a:r>
-            <a:endParaRPr lang="ru-RU" dirty="0" smtClean="0"/>
           </a:p>
         </p:txBody>
       </p:sp>
@@ -9521,15 +9533,7 @@
             </a:r>
             <a:r>
               <a:rPr lang="ru-RU" dirty="0" smtClean="0"/>
-              <a:t>, где </a:t>
-            </a:r>
-            <a:r>
-              <a:rPr lang="ru-RU" dirty="0" smtClean="0"/>
-              <a:t>заполняется </a:t>
-            </a:r>
-            <a:r>
-              <a:rPr lang="ru-RU" dirty="0" smtClean="0"/>
-              <a:t>таблица символов, с помощью которой также генерируется список инструкций – коды операций, которые предстоит выполнить и набор аргументов, соответственно этим операциям. Список инструкций анализируется симулятором операций и исполняется на целевой платформе по предварительно описанным шаблонам для каждой рассмотренной операции.</a:t>
+              <a:t>, где заполняется таблица символов, с помощью которой также генерируется список инструкций – коды операций, которые предстоит выполнить и набор аргументов, соответственно этим операциям. Список инструкций анализируется симулятором операций и исполняется на целевой платформе по предварительно описанным шаблонам для каждой рассмотренной операции.</a:t>
             </a:r>
             <a:endParaRPr lang="ru-RU" dirty="0"/>
           </a:p>
@@ -10126,7 +10130,6 @@
               <a:rPr lang="ru-RU" dirty="0"/>
               <a:t>символ</a:t>
             </a:r>
-            <a:endParaRPr lang="ru-RU" dirty="0"/>
           </a:p>
         </p:txBody>
       </p:sp>
@@ -10348,7 +10351,6 @@
               <a:rPr lang="ru-RU" dirty="0"/>
               <a:t>.</a:t>
             </a:r>
-            <a:endParaRPr lang="ru-RU" dirty="0"/>
           </a:p>
         </p:txBody>
       </p:sp>

--- a/Презентация компилятор Толокнов ИСБ-117.pptx
+++ b/Презентация компилятор Толокнов ИСБ-117.pptx
@@ -255,7 +255,7 @@
           <a:p>
             <a:fld id="{81C749F9-2609-4966-BF66-74B6B2AF8CBC}" type="datetimeFigureOut">
               <a:rPr lang="ru-RU" smtClean="0"/>
-              <a:t>31.05.2020</a:t>
+              <a:t>03.06.2020</a:t>
             </a:fld>
             <a:endParaRPr lang="ru-RU"/>
           </a:p>
@@ -1148,7 +1148,7 @@
           <a:p>
             <a:fld id="{9F3A4D50-1F53-4036-AA8F-8CC98544827C}" type="datetime1">
               <a:rPr lang="ru-RU" smtClean="0"/>
-              <a:t>31.05.2020</a:t>
+              <a:t>03.06.2020</a:t>
             </a:fld>
             <a:endParaRPr lang="ru-RU"/>
           </a:p>
@@ -1344,7 +1344,7 @@
           <a:p>
             <a:fld id="{46E6EC20-86AC-4FAE-A9FA-D87E2E1D65D1}" type="datetime1">
               <a:rPr lang="ru-RU" smtClean="0"/>
-              <a:t>31.05.2020</a:t>
+              <a:t>03.06.2020</a:t>
             </a:fld>
             <a:endParaRPr lang="ru-RU"/>
           </a:p>
@@ -1529,7 +1529,7 @@
           <a:p>
             <a:fld id="{2A934A6D-0444-474C-8D3E-04A3DAC7FB13}" type="datetime1">
               <a:rPr lang="ru-RU" smtClean="0"/>
-              <a:t>31.05.2020</a:t>
+              <a:t>03.06.2020</a:t>
             </a:fld>
             <a:endParaRPr lang="ru-RU"/>
           </a:p>
@@ -1679,7 +1679,7 @@
           <a:p>
             <a:fld id="{7C555B79-9B8B-4FDE-8426-486FB17D1E6F}" type="datetime1">
               <a:rPr lang="ru-RU" smtClean="0"/>
-              <a:t>31.05.2020</a:t>
+              <a:t>03.06.2020</a:t>
             </a:fld>
             <a:endParaRPr lang="ru-RU"/>
           </a:p>
@@ -1934,7 +1934,7 @@
           <a:p>
             <a:fld id="{86383829-A1D5-4D4B-BF9E-2F428A85523B}" type="datetime1">
               <a:rPr lang="ru-RU" smtClean="0"/>
-              <a:t>31.05.2020</a:t>
+              <a:t>03.06.2020</a:t>
             </a:fld>
             <a:endParaRPr lang="ru-RU"/>
           </a:p>
@@ -2343,7 +2343,7 @@
           <a:p>
             <a:fld id="{D6AC06A8-9B18-4215-829A-173DDFC1AA4C}" type="datetime1">
               <a:rPr lang="ru-RU" smtClean="0"/>
-              <a:t>31.05.2020</a:t>
+              <a:t>03.06.2020</a:t>
             </a:fld>
             <a:endParaRPr lang="ru-RU"/>
           </a:p>
@@ -2789,7 +2789,7 @@
           <a:p>
             <a:fld id="{35A76614-977E-420C-8023-7DA5B381F9D9}" type="datetime1">
               <a:rPr lang="ru-RU" smtClean="0"/>
-              <a:t>31.05.2020</a:t>
+              <a:t>03.06.2020</a:t>
             </a:fld>
             <a:endParaRPr lang="ru-RU"/>
           </a:p>
@@ -2890,7 +2890,7 @@
           <a:p>
             <a:fld id="{561C049A-03B7-4D8A-B027-2776E48517D8}" type="datetime1">
               <a:rPr lang="ru-RU" smtClean="0"/>
-              <a:t>31.05.2020</a:t>
+              <a:t>03.06.2020</a:t>
             </a:fld>
             <a:endParaRPr lang="ru-RU"/>
           </a:p>
@@ -3011,7 +3011,7 @@
           <a:p>
             <a:fld id="{016D020D-0112-447B-872B-D85C05AC3E30}" type="datetime1">
               <a:rPr lang="ru-RU" smtClean="0"/>
-              <a:t>31.05.2020</a:t>
+              <a:t>03.06.2020</a:t>
             </a:fld>
             <a:endParaRPr lang="ru-RU"/>
           </a:p>
@@ -3285,7 +3285,7 @@
           <a:p>
             <a:fld id="{26B2ADE8-617E-49A0-AB8E-D52FD901CE8E}" type="datetime1">
               <a:rPr lang="ru-RU" smtClean="0"/>
-              <a:t>31.05.2020</a:t>
+              <a:t>03.06.2020</a:t>
             </a:fld>
             <a:endParaRPr lang="ru-RU"/>
           </a:p>
@@ -3490,7 +3490,7 @@
           <a:p>
             <a:fld id="{C4FFE334-4DE3-4D26-9086-1FE5B9897028}" type="datetime1">
               <a:rPr lang="ru-RU" smtClean="0"/>
-              <a:t>31.05.2020</a:t>
+              <a:t>03.06.2020</a:t>
             </a:fld>
             <a:endParaRPr lang="ru-RU"/>
           </a:p>
@@ -4599,7 +4599,7 @@
           <a:p>
             <a:fld id="{54417831-1033-406F-BF41-9A289F99C756}" type="datetime1">
               <a:rPr lang="ru-RU" smtClean="0"/>
-              <a:t>31.05.2020</a:t>
+              <a:t>03.06.2020</a:t>
             </a:fld>
             <a:endParaRPr lang="ru-RU"/>
           </a:p>
@@ -5041,11 +5041,7 @@
             </a:br>
             <a:r>
               <a:rPr lang="ru-RU" dirty="0" smtClean="0"/>
-              <a:t>Разработка </a:t>
-            </a:r>
-            <a:r>
-              <a:rPr lang="ru-RU" dirty="0" smtClean="0"/>
-              <a:t>компилятора</a:t>
+              <a:t>Компилятор подмножества процедурного языка в ассемблер</a:t>
             </a:r>
             <a:endParaRPr lang="ru-RU" dirty="0"/>
           </a:p>
@@ -5097,7 +5093,7 @@
               <a:rPr lang="ru-RU" smtClean="0"/>
               <a:t>1</a:t>
             </a:fld>
-            <a:endParaRPr lang="ru-RU"/>
+            <a:endParaRPr lang="ru-RU" dirty="0"/>
           </a:p>
         </p:txBody>
       </p:sp>
@@ -9188,9 +9184,14 @@
               <a:t>Целевая платформа – </a:t>
             </a:r>
             <a:r>
+              <a:rPr lang="ru-RU" dirty="0" smtClean="0"/>
+              <a:t>Программа интерпретируется</a:t>
+            </a:r>
+            <a:r>
               <a:rPr lang="en-US" dirty="0" smtClean="0"/>
-              <a:t>Java virtual machine.</a:t>
-            </a:r>
+              <a:t>.</a:t>
+            </a:r>
+            <a:endParaRPr lang="en-US" dirty="0" smtClean="0"/>
           </a:p>
         </p:txBody>
       </p:sp>
@@ -9250,6 +9251,13 @@
   <p:clrMapOvr>
     <a:masterClrMapping/>
   </p:clrMapOvr>
+  <p:timing>
+    <p:tnLst>
+      <p:par>
+        <p:cTn id="1" dur="indefinite" restart="never" nodeType="tmRoot"/>
+      </p:par>
+    </p:tnLst>
+  </p:timing>
 </p:sld>
 </file>
 
@@ -9332,6 +9340,13 @@
   <p:clrMapOvr>
     <a:masterClrMapping/>
   </p:clrMapOvr>
+  <p:timing>
+    <p:tnLst>
+      <p:par>
+        <p:cTn id="1" dur="indefinite" restart="never" nodeType="tmRoot"/>
+      </p:par>
+    </p:tnLst>
+  </p:timing>
 </p:sld>
 </file>
 
@@ -9881,7 +9896,7 @@
         <p:spPr>
           <a:xfrm>
             <a:off x="4208545" y="1052736"/>
-            <a:ext cx="4572000" cy="5355312"/>
+            <a:ext cx="4572000" cy="5078313"/>
           </a:xfrm>
           <a:prstGeom prst="rect">
             <a:avLst/>
@@ -9961,21 +9976,12 @@
               <a:buNone/>
             </a:pPr>
             <a:r>
+              <a:rPr lang="en-US" dirty="0" smtClean="0"/>
+              <a:t>until </a:t>
+            </a:r>
+            <a:r>
               <a:rPr lang="en-US" dirty="0"/>
-              <a:t>not //</a:t>
-            </a:r>
-            <a:r>
-              <a:rPr lang="ru-RU" dirty="0"/>
-              <a:t>Отрицание</a:t>
-            </a:r>
-          </a:p>
-          <a:p>
-            <a:pPr marL="109728" indent="0">
-              <a:buNone/>
-            </a:pPr>
-            <a:r>
-              <a:rPr lang="en-US" dirty="0"/>
-              <a:t>until //repeat until (</a:t>
+              <a:t>//repeat until (</a:t>
             </a:r>
             <a:r>
               <a:rPr lang="en-US" dirty="0" err="1"/>
